--- a/1210/웹프로그래밍 깃허브 정리.pptx
+++ b/1210/웹프로그래밍 깃허브 정리.pptx
@@ -115,7 +115,49 @@
       </a:defRPr>
     </a:lvl9pPr>
   </p:defaultTextStyle>
+  <p:extLst>
+    <p:ext uri="{EFAFB233-063F-42B5-8137-9DF3F51BA10A}">
+      <p15:sldGuideLst xmlns:p15="http://schemas.microsoft.com/office/powerpoint/2012/main"/>
+    </p:ext>
+  </p:extLst>
 </p:presentation>
+</file>
+
+<file path=ppt/changesInfos/changesInfo1.xml><?xml version="1.0" encoding="utf-8"?>
+<pc:chgInfo xmlns:a="http://schemas.openxmlformats.org/drawingml/2006/main" xmlns:r="http://schemas.openxmlformats.org/officeDocument/2006/relationships" xmlns:ac="http://schemas.microsoft.com/office/drawing/2013/main/command" xmlns:pc="http://schemas.microsoft.com/office/powerpoint/2013/main/command">
+  <pc:docChgLst>
+    <pc:chgData name="sihyeon hong" userId="dd3772a6e0b68eaa" providerId="LiveId" clId="{DBBC5EEC-4FC6-4F5C-B99E-A0E1E3C924C4}"/>
+    <pc:docChg chg="modSld">
+      <pc:chgData name="sihyeon hong" userId="dd3772a6e0b68eaa" providerId="LiveId" clId="{DBBC5EEC-4FC6-4F5C-B99E-A0E1E3C924C4}" dt="2024-12-10T14:03:20.131" v="214" actId="20577"/>
+      <pc:docMkLst>
+        <pc:docMk/>
+      </pc:docMkLst>
+      <pc:sldChg chg="modSp mod">
+        <pc:chgData name="sihyeon hong" userId="dd3772a6e0b68eaa" providerId="LiveId" clId="{DBBC5EEC-4FC6-4F5C-B99E-A0E1E3C924C4}" dt="2024-12-10T14:03:20.131" v="214" actId="20577"/>
+        <pc:sldMkLst>
+          <pc:docMk/>
+          <pc:sldMk cId="3175705920" sldId="269"/>
+        </pc:sldMkLst>
+        <pc:spChg chg="mod">
+          <ac:chgData name="sihyeon hong" userId="dd3772a6e0b68eaa" providerId="LiveId" clId="{DBBC5EEC-4FC6-4F5C-B99E-A0E1E3C924C4}" dt="2024-12-10T14:03:20.131" v="214" actId="20577"/>
+          <ac:spMkLst>
+            <pc:docMk/>
+            <pc:sldMk cId="3175705920" sldId="269"/>
+            <ac:spMk id="2" creationId="{D59F30A7-22DC-362E-0837-EA9BC69810BB}"/>
+          </ac:spMkLst>
+        </pc:spChg>
+        <pc:spChg chg="mod">
+          <ac:chgData name="sihyeon hong" userId="dd3772a6e0b68eaa" providerId="LiveId" clId="{DBBC5EEC-4FC6-4F5C-B99E-A0E1E3C924C4}" dt="2024-12-10T14:03:16.412" v="212" actId="20577"/>
+          <ac:spMkLst>
+            <pc:docMk/>
+            <pc:sldMk cId="3175705920" sldId="269"/>
+            <ac:spMk id="3" creationId="{11E04829-A070-57B3-3D75-7AE663DA1587}"/>
+          </ac:spMkLst>
+        </pc:spChg>
+      </pc:sldChg>
+    </pc:docChg>
+  </pc:docChgLst>
+</pc:chgInfo>
 </file>
 
 <file path=ppt/slideLayouts/slideLayout1.xml><?xml version="1.0" encoding="utf-8"?>
@@ -3777,13 +3819,14 @@
               <a:t>총점</a:t>
             </a:r>
             <a:r>
-              <a:rPr lang="en-US" altLang="ko-KR" dirty="0"/>
-              <a:t>:37.5</a:t>
-            </a:r>
-            <a:r>
-              <a:rPr lang="ko-KR" altLang="en-US" dirty="0"/>
+              <a:rPr lang="en-US" altLang="ko-KR"/>
+              <a:t>:27.5</a:t>
+            </a:r>
+            <a:r>
+              <a:rPr lang="ko-KR" altLang="en-US"/>
               <a:t>점</a:t>
             </a:r>
+            <a:endParaRPr lang="ko-KR" altLang="en-US" dirty="0"/>
           </a:p>
         </p:txBody>
       </p:sp>
@@ -3945,7 +3988,6 @@
               <a:rPr lang="en-US" altLang="ko-KR" dirty="0"/>
               <a:t>.(-1)</a:t>
             </a:r>
-            <a:endParaRPr lang="ko-KR" altLang="en-US" dirty="0"/>
           </a:p>
         </p:txBody>
       </p:sp>
